--- a/P1M2_lusitania.pptx
+++ b/P1M2_lusitania.pptx
@@ -7314,7 +7314,7 @@
         <p:spPr>
           <a:xfrm>
             <a:off x="1148862" y="2782277"/>
-            <a:ext cx="9486315" cy="869149"/>
+            <a:ext cx="10541091" cy="1370503"/>
           </a:xfrm>
           <a:prstGeom prst="rect">
             <a:avLst/>
@@ -7339,16 +7339,16 @@
               </a:spcAft>
             </a:pPr>
             <a:r>
-              <a:rPr lang="en-US" dirty="0"/>
+              <a:rPr lang="en-US" sz="1400" dirty="0"/>
               <a:t>Detail Analysis : </a:t>
             </a:r>
             <a:r>
-              <a:rPr lang="en-US" dirty="0">
+              <a:rPr lang="en-US" sz="1400" dirty="0">
                 <a:hlinkClick r:id="rId3"/>
               </a:rPr>
               <a:t>https://github.com/CODA-Assignment-Bay/p1-coda001-rmt-m2-lusitaniarc</a:t>
             </a:r>
-            <a:endParaRPr lang="en-US" dirty="0"/>
+            <a:endParaRPr lang="en-US" sz="1400" dirty="0"/>
           </a:p>
           <a:p>
             <a:pPr>
@@ -7363,9 +7363,30 @@
               </a:spcAft>
             </a:pPr>
             <a:r>
-              <a:rPr lang="en-ID" dirty="0"/>
-              <a:t>Dashboard Data Viz :</a:t>
-            </a:r>
+              <a:rPr lang="en-ID" sz="1400" dirty="0"/>
+              <a:t>Dashboard Data Viz : </a:t>
+            </a:r>
+            <a:r>
+              <a:rPr lang="en-ID" sz="1400" dirty="0">
+                <a:hlinkClick r:id="rId4"/>
+              </a:rPr>
+              <a:t>https://public.tableau.com/app/profile/lusitania.ragil.cahyaningsih/viz/P1M2_lusitania/avg_salary?publish=yes</a:t>
+            </a:r>
+            <a:endParaRPr lang="en-ID" sz="1400" dirty="0"/>
+          </a:p>
+          <a:p>
+            <a:pPr>
+              <a:lnSpc>
+                <a:spcPts val="2160"/>
+              </a:lnSpc>
+              <a:spcBef>
+                <a:spcPts val="1200"/>
+              </a:spcBef>
+              <a:spcAft>
+                <a:spcPts val="600"/>
+              </a:spcAft>
+            </a:pPr>
+            <a:endParaRPr lang="en-ID" sz="1400" dirty="0"/>
           </a:p>
         </p:txBody>
       </p:sp>
@@ -20874,12 +20895,23 @@
 </file>
 
 <file path=customXml/item1.xml><?xml version="1.0" encoding="utf-8"?>
-<?mso-contentType ?>
-<FormTemplates xmlns="http://schemas.microsoft.com/sharepoint/v3/contenttype/forms">
-  <Display>DocumentLibraryForm</Display>
-  <Edit>DocumentLibraryForm</Edit>
-  <New>DocumentLibraryForm</New>
-</FormTemplates>
+<p:properties xmlns:p="http://schemas.microsoft.com/office/2006/metadata/properties" xmlns:xsi="http://www.w3.org/2001/XMLSchema-instance" xmlns:pc="http://schemas.microsoft.com/office/infopath/2007/PartnerControls">
+  <documentManagement>
+    <_ip_UnifiedCompliancePolicyUIAction xmlns="http://schemas.microsoft.com/sharepoint/v3" xsi:nil="true"/>
+    <Image xmlns="71af3243-3dd4-4a8d-8c0d-dd76da1f02a5">
+      <Url xsi:nil="true"/>
+      <Description xsi:nil="true"/>
+    </Image>
+    <Status xmlns="71af3243-3dd4-4a8d-8c0d-dd76da1f02a5">Not started</Status>
+    <Background xmlns="71af3243-3dd4-4a8d-8c0d-dd76da1f02a5">false</Background>
+    <_ip_UnifiedCompliancePolicyProperties xmlns="http://schemas.microsoft.com/sharepoint/v3" xsi:nil="true"/>
+    <ImageTagsTaxHTField xmlns="71af3243-3dd4-4a8d-8c0d-dd76da1f02a5">
+      <Terms xmlns="http://schemas.microsoft.com/office/infopath/2007/PartnerControls"/>
+    </ImageTagsTaxHTField>
+    <TaxCatchAll xmlns="230e9df3-be65-4c73-a93b-d1236ebd677e" xsi:nil="true"/>
+    <MediaServiceKeyPoints xmlns="71af3243-3dd4-4a8d-8c0d-dd76da1f02a5" xsi:nil="true"/>
+  </documentManagement>
+</p:properties>
 </file>
 
 <file path=customXml/item2.xml><?xml version="1.0" encoding="utf-8"?>
@@ -21189,29 +21221,29 @@
 </file>
 
 <file path=customXml/item3.xml><?xml version="1.0" encoding="utf-8"?>
-<p:properties xmlns:p="http://schemas.microsoft.com/office/2006/metadata/properties" xmlns:xsi="http://www.w3.org/2001/XMLSchema-instance" xmlns:pc="http://schemas.microsoft.com/office/infopath/2007/PartnerControls">
-  <documentManagement>
-    <_ip_UnifiedCompliancePolicyUIAction xmlns="http://schemas.microsoft.com/sharepoint/v3" xsi:nil="true"/>
-    <Image xmlns="71af3243-3dd4-4a8d-8c0d-dd76da1f02a5">
-      <Url xsi:nil="true"/>
-      <Description xsi:nil="true"/>
-    </Image>
-    <Status xmlns="71af3243-3dd4-4a8d-8c0d-dd76da1f02a5">Not started</Status>
-    <Background xmlns="71af3243-3dd4-4a8d-8c0d-dd76da1f02a5">false</Background>
-    <_ip_UnifiedCompliancePolicyProperties xmlns="http://schemas.microsoft.com/sharepoint/v3" xsi:nil="true"/>
-    <ImageTagsTaxHTField xmlns="71af3243-3dd4-4a8d-8c0d-dd76da1f02a5">
-      <Terms xmlns="http://schemas.microsoft.com/office/infopath/2007/PartnerControls"/>
-    </ImageTagsTaxHTField>
-    <TaxCatchAll xmlns="230e9df3-be65-4c73-a93b-d1236ebd677e" xsi:nil="true"/>
-    <MediaServiceKeyPoints xmlns="71af3243-3dd4-4a8d-8c0d-dd76da1f02a5" xsi:nil="true"/>
-  </documentManagement>
-</p:properties>
+<?mso-contentType ?>
+<FormTemplates xmlns="http://schemas.microsoft.com/sharepoint/v3/contenttype/forms">
+  <Display>DocumentLibraryForm</Display>
+  <Edit>DocumentLibraryForm</Edit>
+  <New>DocumentLibraryForm</New>
+</FormTemplates>
 </file>
 
 <file path=customXml/itemProps1.xml><?xml version="1.0" encoding="utf-8"?>
-<ds:datastoreItem xmlns:ds="http://schemas.openxmlformats.org/officeDocument/2006/customXml" ds:itemID="{5563EE24-83AF-4B4D-B45B-11D1ECD4364A}">
+<ds:datastoreItem xmlns:ds="http://schemas.openxmlformats.org/officeDocument/2006/customXml" ds:itemID="{5A3EE4EA-81C0-48D0-BEBD-A2EFD6B38B42}">
   <ds:schemaRefs>
-    <ds:schemaRef ds:uri="http://schemas.microsoft.com/sharepoint/v3/contenttype/forms"/>
+    <ds:schemaRef ds:uri="http://schemas.microsoft.com/office/infopath/2007/PartnerControls"/>
+    <ds:schemaRef ds:uri="http://schemas.openxmlformats.org/package/2006/metadata/core-properties"/>
+    <ds:schemaRef ds:uri="http://schemas.microsoft.com/sharepoint/v3"/>
+    <ds:schemaRef ds:uri="http://purl.org/dc/dcmitype/"/>
+    <ds:schemaRef ds:uri="71af3243-3dd4-4a8d-8c0d-dd76da1f02a5"/>
+    <ds:schemaRef ds:uri="http://schemas.microsoft.com/office/2006/documentManagement/types"/>
+    <ds:schemaRef ds:uri="http://purl.org/dc/terms/"/>
+    <ds:schemaRef ds:uri="230e9df3-be65-4c73-a93b-d1236ebd677e"/>
+    <ds:schemaRef ds:uri="16c05727-aa75-4e4a-9b5f-8a80a1165891"/>
+    <ds:schemaRef ds:uri="http://schemas.microsoft.com/office/2006/metadata/properties"/>
+    <ds:schemaRef ds:uri="http://www.w3.org/XML/1998/namespace"/>
+    <ds:schemaRef ds:uri="http://purl.org/dc/elements/1.1/"/>
   </ds:schemaRefs>
 </ds:datastoreItem>
 </file>
@@ -21238,20 +21270,9 @@
 </file>
 
 <file path=customXml/itemProps3.xml><?xml version="1.0" encoding="utf-8"?>
-<ds:datastoreItem xmlns:ds="http://schemas.openxmlformats.org/officeDocument/2006/customXml" ds:itemID="{5A3EE4EA-81C0-48D0-BEBD-A2EFD6B38B42}">
+<ds:datastoreItem xmlns:ds="http://schemas.openxmlformats.org/officeDocument/2006/customXml" ds:itemID="{5563EE24-83AF-4B4D-B45B-11D1ECD4364A}">
   <ds:schemaRefs>
-    <ds:schemaRef ds:uri="http://schemas.microsoft.com/office/infopath/2007/PartnerControls"/>
-    <ds:schemaRef ds:uri="http://schemas.openxmlformats.org/package/2006/metadata/core-properties"/>
-    <ds:schemaRef ds:uri="http://schemas.microsoft.com/sharepoint/v3"/>
-    <ds:schemaRef ds:uri="http://purl.org/dc/dcmitype/"/>
-    <ds:schemaRef ds:uri="71af3243-3dd4-4a8d-8c0d-dd76da1f02a5"/>
-    <ds:schemaRef ds:uri="http://schemas.microsoft.com/office/2006/documentManagement/types"/>
-    <ds:schemaRef ds:uri="http://purl.org/dc/terms/"/>
-    <ds:schemaRef ds:uri="230e9df3-be65-4c73-a93b-d1236ebd677e"/>
-    <ds:schemaRef ds:uri="16c05727-aa75-4e4a-9b5f-8a80a1165891"/>
-    <ds:schemaRef ds:uri="http://schemas.microsoft.com/office/2006/metadata/properties"/>
-    <ds:schemaRef ds:uri="http://www.w3.org/XML/1998/namespace"/>
-    <ds:schemaRef ds:uri="http://purl.org/dc/elements/1.1/"/>
+    <ds:schemaRef ds:uri="http://schemas.microsoft.com/sharepoint/v3/contenttype/forms"/>
   </ds:schemaRefs>
 </ds:datastoreItem>
 </file>
--- a/P1M2_lusitania.pptx
+++ b/P1M2_lusitania.pptx
@@ -7314,7 +7314,7 @@
         <p:spPr>
           <a:xfrm>
             <a:off x="1148862" y="2782277"/>
-            <a:ext cx="10541091" cy="1370503"/>
+            <a:ext cx="10392525" cy="1370503"/>
           </a:xfrm>
           <a:prstGeom prst="rect">
             <a:avLst/>
@@ -7364,15 +7364,19 @@
             </a:pPr>
             <a:r>
               <a:rPr lang="en-ID" sz="1400" dirty="0"/>
-              <a:t>Dashboard Data Viz : </a:t>
-            </a:r>
-            <a:r>
-              <a:rPr lang="en-ID" sz="1400" dirty="0">
+              <a:t>Dashboard Data Viz </a:t>
+            </a:r>
+            <a:r>
+              <a:rPr lang="en-ID" sz="1400"/>
+              <a:t>: </a:t>
+            </a:r>
+            <a:r>
+              <a:rPr lang="en-ID" sz="1400">
                 <a:hlinkClick r:id="rId4"/>
               </a:rPr>
-              <a:t>https://public.tableau.com/app/profile/lusitania.ragil.cahyaningsih/viz/P1M2_lusitania/avg_salary?publish=yes</a:t>
-            </a:r>
-            <a:endParaRPr lang="en-ID" sz="1400" dirty="0"/>
+              <a:t>https://public.tableau.com/app/profile/lusitania.ragil.cahyaningsih/viz/P1M2_lusitania/dash_viz?publish=yes</a:t>
+            </a:r>
+            <a:endParaRPr lang="en-ID" sz="1400"/>
           </a:p>
           <a:p>
             <a:pPr>
@@ -20895,23 +20899,12 @@
 </file>
 
 <file path=customXml/item1.xml><?xml version="1.0" encoding="utf-8"?>
-<p:properties xmlns:p="http://schemas.microsoft.com/office/2006/metadata/properties" xmlns:xsi="http://www.w3.org/2001/XMLSchema-instance" xmlns:pc="http://schemas.microsoft.com/office/infopath/2007/PartnerControls">
-  <documentManagement>
-    <_ip_UnifiedCompliancePolicyUIAction xmlns="http://schemas.microsoft.com/sharepoint/v3" xsi:nil="true"/>
-    <Image xmlns="71af3243-3dd4-4a8d-8c0d-dd76da1f02a5">
-      <Url xsi:nil="true"/>
-      <Description xsi:nil="true"/>
-    </Image>
-    <Status xmlns="71af3243-3dd4-4a8d-8c0d-dd76da1f02a5">Not started</Status>
-    <Background xmlns="71af3243-3dd4-4a8d-8c0d-dd76da1f02a5">false</Background>
-    <_ip_UnifiedCompliancePolicyProperties xmlns="http://schemas.microsoft.com/sharepoint/v3" xsi:nil="true"/>
-    <ImageTagsTaxHTField xmlns="71af3243-3dd4-4a8d-8c0d-dd76da1f02a5">
-      <Terms xmlns="http://schemas.microsoft.com/office/infopath/2007/PartnerControls"/>
-    </ImageTagsTaxHTField>
-    <TaxCatchAll xmlns="230e9df3-be65-4c73-a93b-d1236ebd677e" xsi:nil="true"/>
-    <MediaServiceKeyPoints xmlns="71af3243-3dd4-4a8d-8c0d-dd76da1f02a5" xsi:nil="true"/>
-  </documentManagement>
-</p:properties>
+<?mso-contentType ?>
+<FormTemplates xmlns="http://schemas.microsoft.com/sharepoint/v3/contenttype/forms">
+  <Display>DocumentLibraryForm</Display>
+  <Edit>DocumentLibraryForm</Edit>
+  <New>DocumentLibraryForm</New>
+</FormTemplates>
 </file>
 
 <file path=customXml/item2.xml><?xml version="1.0" encoding="utf-8"?>
@@ -21221,29 +21214,29 @@
 </file>
 
 <file path=customXml/item3.xml><?xml version="1.0" encoding="utf-8"?>
-<?mso-contentType ?>
-<FormTemplates xmlns="http://schemas.microsoft.com/sharepoint/v3/contenttype/forms">
-  <Display>DocumentLibraryForm</Display>
-  <Edit>DocumentLibraryForm</Edit>
-  <New>DocumentLibraryForm</New>
-</FormTemplates>
+<p:properties xmlns:p="http://schemas.microsoft.com/office/2006/metadata/properties" xmlns:xsi="http://www.w3.org/2001/XMLSchema-instance" xmlns:pc="http://schemas.microsoft.com/office/infopath/2007/PartnerControls">
+  <documentManagement>
+    <_ip_UnifiedCompliancePolicyUIAction xmlns="http://schemas.microsoft.com/sharepoint/v3" xsi:nil="true"/>
+    <Image xmlns="71af3243-3dd4-4a8d-8c0d-dd76da1f02a5">
+      <Url xsi:nil="true"/>
+      <Description xsi:nil="true"/>
+    </Image>
+    <Status xmlns="71af3243-3dd4-4a8d-8c0d-dd76da1f02a5">Not started</Status>
+    <Background xmlns="71af3243-3dd4-4a8d-8c0d-dd76da1f02a5">false</Background>
+    <_ip_UnifiedCompliancePolicyProperties xmlns="http://schemas.microsoft.com/sharepoint/v3" xsi:nil="true"/>
+    <ImageTagsTaxHTField xmlns="71af3243-3dd4-4a8d-8c0d-dd76da1f02a5">
+      <Terms xmlns="http://schemas.microsoft.com/office/infopath/2007/PartnerControls"/>
+    </ImageTagsTaxHTField>
+    <TaxCatchAll xmlns="230e9df3-be65-4c73-a93b-d1236ebd677e" xsi:nil="true"/>
+    <MediaServiceKeyPoints xmlns="71af3243-3dd4-4a8d-8c0d-dd76da1f02a5" xsi:nil="true"/>
+  </documentManagement>
+</p:properties>
 </file>
 
 <file path=customXml/itemProps1.xml><?xml version="1.0" encoding="utf-8"?>
-<ds:datastoreItem xmlns:ds="http://schemas.openxmlformats.org/officeDocument/2006/customXml" ds:itemID="{5A3EE4EA-81C0-48D0-BEBD-A2EFD6B38B42}">
+<ds:datastoreItem xmlns:ds="http://schemas.openxmlformats.org/officeDocument/2006/customXml" ds:itemID="{5563EE24-83AF-4B4D-B45B-11D1ECD4364A}">
   <ds:schemaRefs>
-    <ds:schemaRef ds:uri="http://schemas.microsoft.com/office/infopath/2007/PartnerControls"/>
-    <ds:schemaRef ds:uri="http://schemas.openxmlformats.org/package/2006/metadata/core-properties"/>
-    <ds:schemaRef ds:uri="http://schemas.microsoft.com/sharepoint/v3"/>
-    <ds:schemaRef ds:uri="http://purl.org/dc/dcmitype/"/>
-    <ds:schemaRef ds:uri="71af3243-3dd4-4a8d-8c0d-dd76da1f02a5"/>
-    <ds:schemaRef ds:uri="http://schemas.microsoft.com/office/2006/documentManagement/types"/>
-    <ds:schemaRef ds:uri="http://purl.org/dc/terms/"/>
-    <ds:schemaRef ds:uri="230e9df3-be65-4c73-a93b-d1236ebd677e"/>
-    <ds:schemaRef ds:uri="16c05727-aa75-4e4a-9b5f-8a80a1165891"/>
-    <ds:schemaRef ds:uri="http://schemas.microsoft.com/office/2006/metadata/properties"/>
-    <ds:schemaRef ds:uri="http://www.w3.org/XML/1998/namespace"/>
-    <ds:schemaRef ds:uri="http://purl.org/dc/elements/1.1/"/>
+    <ds:schemaRef ds:uri="http://schemas.microsoft.com/sharepoint/v3/contenttype/forms"/>
   </ds:schemaRefs>
 </ds:datastoreItem>
 </file>
@@ -21270,9 +21263,20 @@
 </file>
 
 <file path=customXml/itemProps3.xml><?xml version="1.0" encoding="utf-8"?>
-<ds:datastoreItem xmlns:ds="http://schemas.openxmlformats.org/officeDocument/2006/customXml" ds:itemID="{5563EE24-83AF-4B4D-B45B-11D1ECD4364A}">
+<ds:datastoreItem xmlns:ds="http://schemas.openxmlformats.org/officeDocument/2006/customXml" ds:itemID="{5A3EE4EA-81C0-48D0-BEBD-A2EFD6B38B42}">
   <ds:schemaRefs>
-    <ds:schemaRef ds:uri="http://schemas.microsoft.com/sharepoint/v3/contenttype/forms"/>
+    <ds:schemaRef ds:uri="http://schemas.microsoft.com/office/infopath/2007/PartnerControls"/>
+    <ds:schemaRef ds:uri="http://schemas.openxmlformats.org/package/2006/metadata/core-properties"/>
+    <ds:schemaRef ds:uri="http://schemas.microsoft.com/sharepoint/v3"/>
+    <ds:schemaRef ds:uri="http://purl.org/dc/dcmitype/"/>
+    <ds:schemaRef ds:uri="71af3243-3dd4-4a8d-8c0d-dd76da1f02a5"/>
+    <ds:schemaRef ds:uri="http://schemas.microsoft.com/office/2006/documentManagement/types"/>
+    <ds:schemaRef ds:uri="http://purl.org/dc/terms/"/>
+    <ds:schemaRef ds:uri="230e9df3-be65-4c73-a93b-d1236ebd677e"/>
+    <ds:schemaRef ds:uri="16c05727-aa75-4e4a-9b5f-8a80a1165891"/>
+    <ds:schemaRef ds:uri="http://schemas.microsoft.com/office/2006/metadata/properties"/>
+    <ds:schemaRef ds:uri="http://www.w3.org/XML/1998/namespace"/>
+    <ds:schemaRef ds:uri="http://purl.org/dc/elements/1.1/"/>
   </ds:schemaRefs>
 </ds:datastoreItem>
 </file>
--- a/P1M2_lusitania.pptx
+++ b/P1M2_lusitania.pptx
@@ -7314,7 +7314,7 @@
         <p:spPr>
           <a:xfrm>
             <a:off x="1148862" y="2782277"/>
-            <a:ext cx="10392525" cy="1370503"/>
+            <a:ext cx="9685600" cy="1370503"/>
           </a:xfrm>
           <a:prstGeom prst="rect">
             <a:avLst/>
@@ -7364,19 +7364,15 @@
             </a:pPr>
             <a:r>
               <a:rPr lang="en-ID" sz="1400" dirty="0"/>
-              <a:t>Dashboard Data Viz </a:t>
-            </a:r>
-            <a:r>
-              <a:rPr lang="en-ID" sz="1400"/>
-              <a:t>: </a:t>
-            </a:r>
-            <a:r>
-              <a:rPr lang="en-ID" sz="1400">
+              <a:t>Dashboard	: </a:t>
+            </a:r>
+            <a:r>
+              <a:rPr lang="en-ID" sz="1400" dirty="0">
                 <a:hlinkClick r:id="rId4"/>
               </a:rPr>
               <a:t>https://public.tableau.com/app/profile/lusitania.ragil.cahyaningsih/viz/P1M2_lusitania/dash_viz?publish=yes</a:t>
             </a:r>
-            <a:endParaRPr lang="en-ID" sz="1400"/>
+            <a:endParaRPr lang="en-ID" sz="1400" dirty="0"/>
           </a:p>
           <a:p>
             <a:pPr>
@@ -20899,12 +20895,23 @@
 </file>
 
 <file path=customXml/item1.xml><?xml version="1.0" encoding="utf-8"?>
-<?mso-contentType ?>
-<FormTemplates xmlns="http://schemas.microsoft.com/sharepoint/v3/contenttype/forms">
-  <Display>DocumentLibraryForm</Display>
-  <Edit>DocumentLibraryForm</Edit>
-  <New>DocumentLibraryForm</New>
-</FormTemplates>
+<p:properties xmlns:p="http://schemas.microsoft.com/office/2006/metadata/properties" xmlns:xsi="http://www.w3.org/2001/XMLSchema-instance" xmlns:pc="http://schemas.microsoft.com/office/infopath/2007/PartnerControls">
+  <documentManagement>
+    <_ip_UnifiedCompliancePolicyUIAction xmlns="http://schemas.microsoft.com/sharepoint/v3" xsi:nil="true"/>
+    <Image xmlns="71af3243-3dd4-4a8d-8c0d-dd76da1f02a5">
+      <Url xsi:nil="true"/>
+      <Description xsi:nil="true"/>
+    </Image>
+    <Status xmlns="71af3243-3dd4-4a8d-8c0d-dd76da1f02a5">Not started</Status>
+    <Background xmlns="71af3243-3dd4-4a8d-8c0d-dd76da1f02a5">false</Background>
+    <_ip_UnifiedCompliancePolicyProperties xmlns="http://schemas.microsoft.com/sharepoint/v3" xsi:nil="true"/>
+    <ImageTagsTaxHTField xmlns="71af3243-3dd4-4a8d-8c0d-dd76da1f02a5">
+      <Terms xmlns="http://schemas.microsoft.com/office/infopath/2007/PartnerControls"/>
+    </ImageTagsTaxHTField>
+    <TaxCatchAll xmlns="230e9df3-be65-4c73-a93b-d1236ebd677e" xsi:nil="true"/>
+    <MediaServiceKeyPoints xmlns="71af3243-3dd4-4a8d-8c0d-dd76da1f02a5" xsi:nil="true"/>
+  </documentManagement>
+</p:properties>
 </file>
 
 <file path=customXml/item2.xml><?xml version="1.0" encoding="utf-8"?>
@@ -21214,29 +21221,29 @@
 </file>
 
 <file path=customXml/item3.xml><?xml version="1.0" encoding="utf-8"?>
-<p:properties xmlns:p="http://schemas.microsoft.com/office/2006/metadata/properties" xmlns:xsi="http://www.w3.org/2001/XMLSchema-instance" xmlns:pc="http://schemas.microsoft.com/office/infopath/2007/PartnerControls">
-  <documentManagement>
-    <_ip_UnifiedCompliancePolicyUIAction xmlns="http://schemas.microsoft.com/sharepoint/v3" xsi:nil="true"/>
-    <Image xmlns="71af3243-3dd4-4a8d-8c0d-dd76da1f02a5">
-      <Url xsi:nil="true"/>
-      <Description xsi:nil="true"/>
-    </Image>
-    <Status xmlns="71af3243-3dd4-4a8d-8c0d-dd76da1f02a5">Not started</Status>
-    <Background xmlns="71af3243-3dd4-4a8d-8c0d-dd76da1f02a5">false</Background>
-    <_ip_UnifiedCompliancePolicyProperties xmlns="http://schemas.microsoft.com/sharepoint/v3" xsi:nil="true"/>
-    <ImageTagsTaxHTField xmlns="71af3243-3dd4-4a8d-8c0d-dd76da1f02a5">
-      <Terms xmlns="http://schemas.microsoft.com/office/infopath/2007/PartnerControls"/>
-    </ImageTagsTaxHTField>
-    <TaxCatchAll xmlns="230e9df3-be65-4c73-a93b-d1236ebd677e" xsi:nil="true"/>
-    <MediaServiceKeyPoints xmlns="71af3243-3dd4-4a8d-8c0d-dd76da1f02a5" xsi:nil="true"/>
-  </documentManagement>
-</p:properties>
+<?mso-contentType ?>
+<FormTemplates xmlns="http://schemas.microsoft.com/sharepoint/v3/contenttype/forms">
+  <Display>DocumentLibraryForm</Display>
+  <Edit>DocumentLibraryForm</Edit>
+  <New>DocumentLibraryForm</New>
+</FormTemplates>
 </file>
 
 <file path=customXml/itemProps1.xml><?xml version="1.0" encoding="utf-8"?>
-<ds:datastoreItem xmlns:ds="http://schemas.openxmlformats.org/officeDocument/2006/customXml" ds:itemID="{5563EE24-83AF-4B4D-B45B-11D1ECD4364A}">
+<ds:datastoreItem xmlns:ds="http://schemas.openxmlformats.org/officeDocument/2006/customXml" ds:itemID="{5A3EE4EA-81C0-48D0-BEBD-A2EFD6B38B42}">
   <ds:schemaRefs>
-    <ds:schemaRef ds:uri="http://schemas.microsoft.com/sharepoint/v3/contenttype/forms"/>
+    <ds:schemaRef ds:uri="http://schemas.microsoft.com/office/infopath/2007/PartnerControls"/>
+    <ds:schemaRef ds:uri="http://schemas.openxmlformats.org/package/2006/metadata/core-properties"/>
+    <ds:schemaRef ds:uri="http://schemas.microsoft.com/sharepoint/v3"/>
+    <ds:schemaRef ds:uri="http://purl.org/dc/dcmitype/"/>
+    <ds:schemaRef ds:uri="71af3243-3dd4-4a8d-8c0d-dd76da1f02a5"/>
+    <ds:schemaRef ds:uri="http://schemas.microsoft.com/office/2006/documentManagement/types"/>
+    <ds:schemaRef ds:uri="http://purl.org/dc/terms/"/>
+    <ds:schemaRef ds:uri="230e9df3-be65-4c73-a93b-d1236ebd677e"/>
+    <ds:schemaRef ds:uri="16c05727-aa75-4e4a-9b5f-8a80a1165891"/>
+    <ds:schemaRef ds:uri="http://schemas.microsoft.com/office/2006/metadata/properties"/>
+    <ds:schemaRef ds:uri="http://www.w3.org/XML/1998/namespace"/>
+    <ds:schemaRef ds:uri="http://purl.org/dc/elements/1.1/"/>
   </ds:schemaRefs>
 </ds:datastoreItem>
 </file>
@@ -21263,20 +21270,9 @@
 </file>
 
 <file path=customXml/itemProps3.xml><?xml version="1.0" encoding="utf-8"?>
-<ds:datastoreItem xmlns:ds="http://schemas.openxmlformats.org/officeDocument/2006/customXml" ds:itemID="{5A3EE4EA-81C0-48D0-BEBD-A2EFD6B38B42}">
+<ds:datastoreItem xmlns:ds="http://schemas.openxmlformats.org/officeDocument/2006/customXml" ds:itemID="{5563EE24-83AF-4B4D-B45B-11D1ECD4364A}">
   <ds:schemaRefs>
-    <ds:schemaRef ds:uri="http://schemas.microsoft.com/office/infopath/2007/PartnerControls"/>
-    <ds:schemaRef ds:uri="http://schemas.openxmlformats.org/package/2006/metadata/core-properties"/>
-    <ds:schemaRef ds:uri="http://schemas.microsoft.com/sharepoint/v3"/>
-    <ds:schemaRef ds:uri="http://purl.org/dc/dcmitype/"/>
-    <ds:schemaRef ds:uri="71af3243-3dd4-4a8d-8c0d-dd76da1f02a5"/>
-    <ds:schemaRef ds:uri="http://schemas.microsoft.com/office/2006/documentManagement/types"/>
-    <ds:schemaRef ds:uri="http://purl.org/dc/terms/"/>
-    <ds:schemaRef ds:uri="230e9df3-be65-4c73-a93b-d1236ebd677e"/>
-    <ds:schemaRef ds:uri="16c05727-aa75-4e4a-9b5f-8a80a1165891"/>
-    <ds:schemaRef ds:uri="http://schemas.microsoft.com/office/2006/metadata/properties"/>
-    <ds:schemaRef ds:uri="http://www.w3.org/XML/1998/namespace"/>
-    <ds:schemaRef ds:uri="http://purl.org/dc/elements/1.1/"/>
+    <ds:schemaRef ds:uri="http://schemas.microsoft.com/sharepoint/v3/contenttype/forms"/>
   </ds:schemaRefs>
 </ds:datastoreItem>
 </file>
--- a/P1M2_lusitania.pptx
+++ b/P1M2_lusitania.pptx
@@ -7021,169 +7021,133 @@
               <a:rPr lang="en-ID" sz="1200" b="0" dirty="0">
                 <a:effectLst/>
               </a:rPr>
-              <a:t>, </a:t>
+              <a:t>. Data </a:t>
             </a:r>
             <a:r>
               <a:rPr lang="en-ID" sz="1200" b="0" dirty="0" err="1">
                 <a:effectLst/>
               </a:rPr>
-              <a:t>walaupun</a:t>
+              <a:t>ini</a:t>
             </a:r>
             <a:r>
               <a:rPr lang="en-ID" sz="1200" b="0" dirty="0">
                 <a:effectLst/>
               </a:rPr>
-              <a:t> pada </a:t>
+              <a:t> </a:t>
             </a:r>
             <a:r>
               <a:rPr lang="en-ID" sz="1200" b="0" dirty="0" err="1">
                 <a:effectLst/>
               </a:rPr>
+              <a:t>dapat</a:t>
+            </a:r>
+            <a:r>
+              <a:rPr lang="en-ID" sz="1200" b="0" dirty="0">
+                <a:effectLst/>
+              </a:rPr>
+              <a:t> </a:t>
+            </a:r>
+            <a:r>
+              <a:rPr lang="en-ID" sz="1200" b="0" dirty="0" err="1">
+                <a:effectLst/>
+              </a:rPr>
+              <a:t>dijadikan</a:t>
+            </a:r>
+            <a:r>
+              <a:rPr lang="en-ID" sz="1200" b="0" dirty="0">
+                <a:effectLst/>
+              </a:rPr>
+              <a:t> </a:t>
+            </a:r>
+            <a:r>
+              <a:rPr lang="en-ID" sz="1200" b="0" dirty="0" err="1">
+                <a:effectLst/>
+              </a:rPr>
+              <a:t>acuan</a:t>
+            </a:r>
+            <a:r>
+              <a:rPr lang="en-ID" sz="1200" b="0" dirty="0">
+                <a:effectLst/>
+              </a:rPr>
+              <a:t> </a:t>
+            </a:r>
+            <a:r>
+              <a:rPr lang="en-ID" sz="1200" b="0" dirty="0" err="1">
+                <a:effectLst/>
+              </a:rPr>
+              <a:t>dalam</a:t>
+            </a:r>
+            <a:r>
+              <a:rPr lang="en-ID" sz="1200" b="0" dirty="0">
+                <a:effectLst/>
+              </a:rPr>
+              <a:t> </a:t>
+            </a:r>
+            <a:r>
+              <a:rPr lang="en-ID" sz="1200" b="0" dirty="0" err="1">
+                <a:effectLst/>
+              </a:rPr>
+              <a:t>perhitungan</a:t>
+            </a:r>
+            <a:r>
+              <a:rPr lang="en-ID" sz="1200" b="0" dirty="0">
+                <a:effectLst/>
+              </a:rPr>
+              <a:t> cost plan </a:t>
+            </a:r>
+            <a:r>
+              <a:rPr lang="en-ID" sz="1200" b="0" dirty="0" err="1">
+                <a:effectLst/>
+              </a:rPr>
+              <a:t>pembiayaan</a:t>
+            </a:r>
+            <a:r>
+              <a:rPr lang="en-ID" sz="1200" b="0" dirty="0">
+                <a:effectLst/>
+              </a:rPr>
+              <a:t> </a:t>
+            </a:r>
+            <a:r>
+              <a:rPr lang="en-ID" sz="1200" b="0" dirty="0" err="1">
+                <a:effectLst/>
+              </a:rPr>
+              <a:t>gaji</a:t>
+            </a:r>
+            <a:r>
+              <a:rPr lang="en-ID" sz="1200" b="0" dirty="0">
+                <a:effectLst/>
+              </a:rPr>
+              <a:t> Data Scientist </a:t>
+            </a:r>
+            <a:r>
+              <a:rPr lang="en-ID" sz="1200" b="0" dirty="0" err="1">
+                <a:effectLst/>
+              </a:rPr>
+              <a:t>perusahaan</a:t>
+            </a:r>
+            <a:r>
+              <a:rPr lang="en-ID" sz="1200" b="0" dirty="0">
+                <a:effectLst/>
+              </a:rPr>
+              <a:t> di </a:t>
+            </a:r>
+            <a:r>
+              <a:rPr lang="en-ID" sz="1200" b="0" dirty="0" err="1">
+                <a:effectLst/>
+              </a:rPr>
               <a:t>tahun</a:t>
             </a:r>
             <a:r>
               <a:rPr lang="en-ID" sz="1200" b="0" dirty="0">
                 <a:effectLst/>
               </a:rPr>
-              <a:t> 2021 </a:t>
+              <a:t> </a:t>
             </a:r>
             <a:r>
               <a:rPr lang="en-ID" sz="1200" b="0" dirty="0" err="1">
                 <a:effectLst/>
               </a:rPr>
-              <a:t>sempat</a:t>
-            </a:r>
-            <a:r>
-              <a:rPr lang="en-ID" sz="1200" b="0" dirty="0">
-                <a:effectLst/>
-              </a:rPr>
-              <a:t> </a:t>
-            </a:r>
-            <a:r>
-              <a:rPr lang="en-ID" sz="1200" b="0" dirty="0" err="1">
-                <a:effectLst/>
-              </a:rPr>
-              <a:t>mengalami</a:t>
-            </a:r>
-            <a:r>
-              <a:rPr lang="en-ID" sz="1200" b="0" dirty="0">
-                <a:effectLst/>
-              </a:rPr>
-              <a:t> </a:t>
-            </a:r>
-            <a:r>
-              <a:rPr lang="en-ID" sz="1200" b="0" dirty="0" err="1">
-                <a:effectLst/>
-              </a:rPr>
-              <a:t>penurunan</a:t>
-            </a:r>
-            <a:r>
-              <a:rPr lang="en-ID" sz="1200" b="0" dirty="0">
-                <a:effectLst/>
-              </a:rPr>
-              <a:t>, </a:t>
-            </a:r>
-            <a:r>
-              <a:rPr lang="en-ID" sz="1200" b="0" dirty="0" err="1">
-                <a:effectLst/>
-              </a:rPr>
-              <a:t>besar</a:t>
-            </a:r>
-            <a:r>
-              <a:rPr lang="en-ID" sz="1200" b="0" dirty="0">
-                <a:effectLst/>
-              </a:rPr>
-              <a:t> </a:t>
-            </a:r>
-            <a:r>
-              <a:rPr lang="en-ID" sz="1200" b="0" dirty="0" err="1">
-                <a:effectLst/>
-              </a:rPr>
-              <a:t>kemungkinan</a:t>
-            </a:r>
-            <a:r>
-              <a:rPr lang="en-ID" sz="1200" b="0" dirty="0">
-                <a:effectLst/>
-              </a:rPr>
-              <a:t> </a:t>
-            </a:r>
-            <a:r>
-              <a:rPr lang="en-ID" sz="1200" b="0" dirty="0" err="1">
-                <a:effectLst/>
-              </a:rPr>
-              <a:t>adalah</a:t>
-            </a:r>
-            <a:r>
-              <a:rPr lang="en-ID" sz="1200" b="0" dirty="0">
-                <a:effectLst/>
-              </a:rPr>
-              <a:t> </a:t>
-            </a:r>
-            <a:r>
-              <a:rPr lang="en-ID" sz="1200" b="0" dirty="0" err="1">
-                <a:effectLst/>
-              </a:rPr>
-              <a:t>efek</a:t>
-            </a:r>
-            <a:r>
-              <a:rPr lang="en-ID" sz="1200" b="0" dirty="0">
-                <a:effectLst/>
-              </a:rPr>
-              <a:t> </a:t>
-            </a:r>
-            <a:r>
-              <a:rPr lang="en-ID" sz="1200" b="0" dirty="0" err="1">
-                <a:effectLst/>
-              </a:rPr>
-              <a:t>dari</a:t>
-            </a:r>
-            <a:r>
-              <a:rPr lang="en-ID" sz="1200" b="0" dirty="0">
-                <a:effectLst/>
-              </a:rPr>
-              <a:t> </a:t>
-            </a:r>
-            <a:r>
-              <a:rPr lang="en-ID" sz="1200" b="0" dirty="0" err="1">
-                <a:effectLst/>
-              </a:rPr>
-              <a:t>adanya</a:t>
-            </a:r>
-            <a:r>
-              <a:rPr lang="en-ID" sz="1200" b="0" dirty="0">
-                <a:effectLst/>
-              </a:rPr>
-              <a:t> </a:t>
-            </a:r>
-            <a:r>
-              <a:rPr lang="en-ID" sz="1200" b="0" dirty="0" err="1">
-                <a:effectLst/>
-              </a:rPr>
-              <a:t>wabah</a:t>
-            </a:r>
-            <a:r>
-              <a:rPr lang="en-ID" sz="1200" b="0" dirty="0">
-                <a:effectLst/>
-              </a:rPr>
-              <a:t> Covid pada </a:t>
-            </a:r>
-            <a:r>
-              <a:rPr lang="en-ID" sz="1200" b="0" dirty="0" err="1">
-                <a:effectLst/>
-              </a:rPr>
-              <a:t>saat</a:t>
-            </a:r>
-            <a:r>
-              <a:rPr lang="en-ID" sz="1200" b="0" dirty="0">
-                <a:effectLst/>
-              </a:rPr>
-              <a:t> </a:t>
-            </a:r>
-            <a:r>
-              <a:rPr lang="en-ID" sz="1200" b="0" dirty="0" err="1">
-                <a:effectLst/>
-              </a:rPr>
-              <a:t>itu</a:t>
+              <a:t>depan</a:t>
             </a:r>
             <a:r>
               <a:rPr lang="en-ID" sz="1200" b="0" dirty="0">
@@ -9211,6 +9175,58 @@
                 <a:schemeClr val="tx1"/>
               </a:solidFill>
               <a:cs typeface="Segoe UI"/>
+            </a:endParaRPr>
+          </a:p>
+        </p:txBody>
+      </p:sp>
+      <p:sp>
+        <p:nvSpPr>
+          <p:cNvPr id="5" name="TextBox 4">
+            <a:extLst>
+              <a:ext uri="{FF2B5EF4-FFF2-40B4-BE49-F238E27FC236}">
+                <a16:creationId xmlns:a16="http://schemas.microsoft.com/office/drawing/2014/main" id="{22390F90-37CF-B2BE-F7D6-C53FBC6052FE}"/>
+              </a:ext>
+            </a:extLst>
+          </p:cNvPr>
+          <p:cNvSpPr txBox="1"/>
+          <p:nvPr/>
+        </p:nvSpPr>
+        <p:spPr>
+          <a:xfrm>
+            <a:off x="241479" y="6305178"/>
+            <a:ext cx="6094926" cy="261610"/>
+          </a:xfrm>
+          <a:prstGeom prst="rect">
+            <a:avLst/>
+          </a:prstGeom>
+          <a:noFill/>
+        </p:spPr>
+        <p:txBody>
+          <a:bodyPr wrap="square">
+            <a:spAutoFit/>
+          </a:bodyPr>
+          <a:lstStyle/>
+          <a:p>
+            <a:r>
+              <a:rPr lang="en-US" sz="1050" i="1" dirty="0">
+                <a:solidFill>
+                  <a:schemeClr val="tx1">
+                    <a:lumMod val="50000"/>
+                    <a:lumOff val="50000"/>
+                  </a:schemeClr>
+                </a:solidFill>
+                <a:latin typeface="Segoe UI Semibold" panose="020B0702040204020203" pitchFamily="34" charset="0"/>
+                <a:cs typeface="Segoe UI Semibold" panose="020B0702040204020203" pitchFamily="34" charset="0"/>
+              </a:rPr>
+              <a:t>* Data Scientist, Data Engineer, Data Analyst</a:t>
+            </a:r>
+            <a:endParaRPr lang="en-ID" sz="1050" i="1" dirty="0">
+              <a:solidFill>
+                <a:schemeClr val="tx1">
+                  <a:lumMod val="50000"/>
+                  <a:lumOff val="50000"/>
+                </a:schemeClr>
+              </a:solidFill>
             </a:endParaRPr>
           </a:p>
         </p:txBody>
@@ -20079,7 +20095,43 @@
               <a:rPr lang="en-ID" sz="1200" b="0" dirty="0">
                 <a:effectLst/>
               </a:rPr>
-              <a:t>- Data Scientist	: $ 209,204.33 /year</a:t>
+              <a:t>- Data Scientist	: $ 209,204.33 /year -&gt; </a:t>
+            </a:r>
+            <a:r>
+              <a:rPr lang="en-ID" sz="1200" b="0" dirty="0" err="1">
+                <a:effectLst/>
+              </a:rPr>
+              <a:t>meningkat</a:t>
+            </a:r>
+            <a:r>
+              <a:rPr lang="en-ID" sz="1200" b="0" dirty="0">
+                <a:effectLst/>
+              </a:rPr>
+              <a:t> 23% </a:t>
+            </a:r>
+            <a:r>
+              <a:rPr lang="en-ID" sz="1200" b="0" dirty="0" err="1">
+                <a:effectLst/>
+              </a:rPr>
+              <a:t>dari</a:t>
+            </a:r>
+            <a:r>
+              <a:rPr lang="en-ID" sz="1200" b="0" dirty="0">
+                <a:effectLst/>
+              </a:rPr>
+              <a:t> </a:t>
+            </a:r>
+            <a:r>
+              <a:rPr lang="en-ID" sz="1200" b="0" dirty="0" err="1">
+                <a:effectLst/>
+              </a:rPr>
+              <a:t>tahun</a:t>
+            </a:r>
+            <a:r>
+              <a:rPr lang="en-ID" sz="1200" b="0" dirty="0">
+                <a:effectLst/>
+              </a:rPr>
+              <a:t> 2023 </a:t>
             </a:r>
           </a:p>
           <a:p>
@@ -20095,7 +20147,43 @@
               <a:rPr lang="en-ID" sz="1200" b="0" dirty="0">
                 <a:effectLst/>
               </a:rPr>
-              <a:t>- Data Engineer	: $ 201,098.96 /year</a:t>
+              <a:t>- Data Engineer	: $ 201,098.96 /year -&gt; </a:t>
+            </a:r>
+            <a:r>
+              <a:rPr lang="en-ID" sz="1200" b="0" dirty="0" err="1">
+                <a:effectLst/>
+              </a:rPr>
+              <a:t>meningkat</a:t>
+            </a:r>
+            <a:r>
+              <a:rPr lang="en-ID" sz="1200" b="0" dirty="0">
+                <a:effectLst/>
+              </a:rPr>
+              <a:t> 24% </a:t>
+            </a:r>
+            <a:r>
+              <a:rPr lang="en-ID" sz="1200" b="0" dirty="0" err="1">
+                <a:effectLst/>
+              </a:rPr>
+              <a:t>dari</a:t>
+            </a:r>
+            <a:r>
+              <a:rPr lang="en-ID" sz="1200" b="0" dirty="0">
+                <a:effectLst/>
+              </a:rPr>
+              <a:t> </a:t>
+            </a:r>
+            <a:r>
+              <a:rPr lang="en-ID" sz="1200" b="0" dirty="0" err="1">
+                <a:effectLst/>
+              </a:rPr>
+              <a:t>tahun</a:t>
+            </a:r>
+            <a:r>
+              <a:rPr lang="en-ID" sz="1200" b="0" dirty="0">
+                <a:effectLst/>
+              </a:rPr>
+              <a:t> 2023 </a:t>
             </a:r>
           </a:p>
           <a:p>
@@ -20111,7 +20199,43 @@
               <a:rPr lang="en-ID" sz="1200" b="0" dirty="0">
                 <a:effectLst/>
               </a:rPr>
-              <a:t>- Data Analyst	: $ 156,177.84 /year</a:t>
+              <a:t>- Data Analyst	: $ 156,177.84 /year -&gt; </a:t>
+            </a:r>
+            <a:r>
+              <a:rPr lang="en-ID" sz="1200" b="0" dirty="0" err="1">
+                <a:effectLst/>
+              </a:rPr>
+              <a:t>meningkat</a:t>
+            </a:r>
+            <a:r>
+              <a:rPr lang="en-ID" sz="1200" b="0" dirty="0">
+                <a:effectLst/>
+              </a:rPr>
+              <a:t> 26% </a:t>
+            </a:r>
+            <a:r>
+              <a:rPr lang="en-ID" sz="1200" b="0" dirty="0" err="1">
+                <a:effectLst/>
+              </a:rPr>
+              <a:t>dari</a:t>
+            </a:r>
+            <a:r>
+              <a:rPr lang="en-ID" sz="1200" b="0" dirty="0">
+                <a:effectLst/>
+              </a:rPr>
+              <a:t> </a:t>
+            </a:r>
+            <a:r>
+              <a:rPr lang="en-ID" sz="1200" b="0" dirty="0" err="1">
+                <a:effectLst/>
+              </a:rPr>
+              <a:t>tahun</a:t>
+            </a:r>
+            <a:r>
+              <a:rPr lang="en-ID" sz="1200" b="0" dirty="0">
+                <a:effectLst/>
+              </a:rPr>
+              <a:t> 2023 </a:t>
             </a:r>
           </a:p>
         </p:txBody>
@@ -20895,23 +21019,12 @@
 </file>
 
 <file path=customXml/item1.xml><?xml version="1.0" encoding="utf-8"?>
-<p:properties xmlns:p="http://schemas.microsoft.com/office/2006/metadata/properties" xmlns:xsi="http://www.w3.org/2001/XMLSchema-instance" xmlns:pc="http://schemas.microsoft.com/office/infopath/2007/PartnerControls">
-  <documentManagement>
-    <_ip_UnifiedCompliancePolicyUIAction xmlns="http://schemas.microsoft.com/sharepoint/v3" xsi:nil="true"/>
-    <Image xmlns="71af3243-3dd4-4a8d-8c0d-dd76da1f02a5">
-      <Url xsi:nil="true"/>
-      <Description xsi:nil="true"/>
-    </Image>
-    <Status xmlns="71af3243-3dd4-4a8d-8c0d-dd76da1f02a5">Not started</Status>
-    <Background xmlns="71af3243-3dd4-4a8d-8c0d-dd76da1f02a5">false</Background>
-    <_ip_UnifiedCompliancePolicyProperties xmlns="http://schemas.microsoft.com/sharepoint/v3" xsi:nil="true"/>
-    <ImageTagsTaxHTField xmlns="71af3243-3dd4-4a8d-8c0d-dd76da1f02a5">
-      <Terms xmlns="http://schemas.microsoft.com/office/infopath/2007/PartnerControls"/>
-    </ImageTagsTaxHTField>
-    <TaxCatchAll xmlns="230e9df3-be65-4c73-a93b-d1236ebd677e" xsi:nil="true"/>
-    <MediaServiceKeyPoints xmlns="71af3243-3dd4-4a8d-8c0d-dd76da1f02a5" xsi:nil="true"/>
-  </documentManagement>
-</p:properties>
+<?mso-contentType ?>
+<FormTemplates xmlns="http://schemas.microsoft.com/sharepoint/v3/contenttype/forms">
+  <Display>DocumentLibraryForm</Display>
+  <Edit>DocumentLibraryForm</Edit>
+  <New>DocumentLibraryForm</New>
+</FormTemplates>
 </file>
 
 <file path=customXml/item2.xml><?xml version="1.0" encoding="utf-8"?>
@@ -21221,29 +21334,29 @@
 </file>
 
 <file path=customXml/item3.xml><?xml version="1.0" encoding="utf-8"?>
-<?mso-contentType ?>
-<FormTemplates xmlns="http://schemas.microsoft.com/sharepoint/v3/contenttype/forms">
-  <Display>DocumentLibraryForm</Display>
-  <Edit>DocumentLibraryForm</Edit>
-  <New>DocumentLibraryForm</New>
-</FormTemplates>
+<p:properties xmlns:p="http://schemas.microsoft.com/office/2006/metadata/properties" xmlns:xsi="http://www.w3.org/2001/XMLSchema-instance" xmlns:pc="http://schemas.microsoft.com/office/infopath/2007/PartnerControls">
+  <documentManagement>
+    <_ip_UnifiedCompliancePolicyUIAction xmlns="http://schemas.microsoft.com/sharepoint/v3" xsi:nil="true"/>
+    <Image xmlns="71af3243-3dd4-4a8d-8c0d-dd76da1f02a5">
+      <Url xsi:nil="true"/>
+      <Description xsi:nil="true"/>
+    </Image>
+    <Status xmlns="71af3243-3dd4-4a8d-8c0d-dd76da1f02a5">Not started</Status>
+    <Background xmlns="71af3243-3dd4-4a8d-8c0d-dd76da1f02a5">false</Background>
+    <_ip_UnifiedCompliancePolicyProperties xmlns="http://schemas.microsoft.com/sharepoint/v3" xsi:nil="true"/>
+    <ImageTagsTaxHTField xmlns="71af3243-3dd4-4a8d-8c0d-dd76da1f02a5">
+      <Terms xmlns="http://schemas.microsoft.com/office/infopath/2007/PartnerControls"/>
+    </ImageTagsTaxHTField>
+    <TaxCatchAll xmlns="230e9df3-be65-4c73-a93b-d1236ebd677e" xsi:nil="true"/>
+    <MediaServiceKeyPoints xmlns="71af3243-3dd4-4a8d-8c0d-dd76da1f02a5" xsi:nil="true"/>
+  </documentManagement>
+</p:properties>
 </file>
 
 <file path=customXml/itemProps1.xml><?xml version="1.0" encoding="utf-8"?>
-<ds:datastoreItem xmlns:ds="http://schemas.openxmlformats.org/officeDocument/2006/customXml" ds:itemID="{5A3EE4EA-81C0-48D0-BEBD-A2EFD6B38B42}">
+<ds:datastoreItem xmlns:ds="http://schemas.openxmlformats.org/officeDocument/2006/customXml" ds:itemID="{5563EE24-83AF-4B4D-B45B-11D1ECD4364A}">
   <ds:schemaRefs>
-    <ds:schemaRef ds:uri="http://schemas.microsoft.com/office/infopath/2007/PartnerControls"/>
-    <ds:schemaRef ds:uri="http://schemas.openxmlformats.org/package/2006/metadata/core-properties"/>
-    <ds:schemaRef ds:uri="http://schemas.microsoft.com/sharepoint/v3"/>
-    <ds:schemaRef ds:uri="http://purl.org/dc/dcmitype/"/>
-    <ds:schemaRef ds:uri="71af3243-3dd4-4a8d-8c0d-dd76da1f02a5"/>
-    <ds:schemaRef ds:uri="http://schemas.microsoft.com/office/2006/documentManagement/types"/>
-    <ds:schemaRef ds:uri="http://purl.org/dc/terms/"/>
-    <ds:schemaRef ds:uri="230e9df3-be65-4c73-a93b-d1236ebd677e"/>
-    <ds:schemaRef ds:uri="16c05727-aa75-4e4a-9b5f-8a80a1165891"/>
-    <ds:schemaRef ds:uri="http://schemas.microsoft.com/office/2006/metadata/properties"/>
-    <ds:schemaRef ds:uri="http://www.w3.org/XML/1998/namespace"/>
-    <ds:schemaRef ds:uri="http://purl.org/dc/elements/1.1/"/>
+    <ds:schemaRef ds:uri="http://schemas.microsoft.com/sharepoint/v3/contenttype/forms"/>
   </ds:schemaRefs>
 </ds:datastoreItem>
 </file>
@@ -21270,9 +21383,20 @@
 </file>
 
 <file path=customXml/itemProps3.xml><?xml version="1.0" encoding="utf-8"?>
-<ds:datastoreItem xmlns:ds="http://schemas.openxmlformats.org/officeDocument/2006/customXml" ds:itemID="{5563EE24-83AF-4B4D-B45B-11D1ECD4364A}">
+<ds:datastoreItem xmlns:ds="http://schemas.openxmlformats.org/officeDocument/2006/customXml" ds:itemID="{5A3EE4EA-81C0-48D0-BEBD-A2EFD6B38B42}">
   <ds:schemaRefs>
-    <ds:schemaRef ds:uri="http://schemas.microsoft.com/sharepoint/v3/contenttype/forms"/>
+    <ds:schemaRef ds:uri="http://schemas.microsoft.com/office/infopath/2007/PartnerControls"/>
+    <ds:schemaRef ds:uri="http://schemas.openxmlformats.org/package/2006/metadata/core-properties"/>
+    <ds:schemaRef ds:uri="http://schemas.microsoft.com/sharepoint/v3"/>
+    <ds:schemaRef ds:uri="http://purl.org/dc/dcmitype/"/>
+    <ds:schemaRef ds:uri="71af3243-3dd4-4a8d-8c0d-dd76da1f02a5"/>
+    <ds:schemaRef ds:uri="http://schemas.microsoft.com/office/2006/documentManagement/types"/>
+    <ds:schemaRef ds:uri="http://purl.org/dc/terms/"/>
+    <ds:schemaRef ds:uri="230e9df3-be65-4c73-a93b-d1236ebd677e"/>
+    <ds:schemaRef ds:uri="16c05727-aa75-4e4a-9b5f-8a80a1165891"/>
+    <ds:schemaRef ds:uri="http://schemas.microsoft.com/office/2006/metadata/properties"/>
+    <ds:schemaRef ds:uri="http://www.w3.org/XML/1998/namespace"/>
+    <ds:schemaRef ds:uri="http://purl.org/dc/elements/1.1/"/>
   </ds:schemaRefs>
 </ds:datastoreItem>
 </file>